--- a/[참고] esrp/(노트) esrp.pptx
+++ b/[참고] esrp/(노트) esrp.pptx
@@ -284,7 +284,7 @@
           <a:p>
             <a:fld id="{ED34D9CE-9C11-463A-BEC9-8EFCD23B42F2}" type="datetimeFigureOut">
               <a:rPr lang="ko-KR" altLang="en-US" smtClean="0"/>
-              <a:t>2022-01-07</a:t>
+              <a:t>2022-01-12</a:t>
             </a:fld>
             <a:endParaRPr lang="ko-KR" altLang="en-US"/>
           </a:p>
@@ -482,7 +482,7 @@
           <a:p>
             <a:fld id="{ED34D9CE-9C11-463A-BEC9-8EFCD23B42F2}" type="datetimeFigureOut">
               <a:rPr lang="ko-KR" altLang="en-US" smtClean="0"/>
-              <a:t>2022-01-07</a:t>
+              <a:t>2022-01-12</a:t>
             </a:fld>
             <a:endParaRPr lang="ko-KR" altLang="en-US"/>
           </a:p>
@@ -690,7 +690,7 @@
           <a:p>
             <a:fld id="{ED34D9CE-9C11-463A-BEC9-8EFCD23B42F2}" type="datetimeFigureOut">
               <a:rPr lang="ko-KR" altLang="en-US" smtClean="0"/>
-              <a:t>2022-01-07</a:t>
+              <a:t>2022-01-12</a:t>
             </a:fld>
             <a:endParaRPr lang="ko-KR" altLang="en-US"/>
           </a:p>
@@ -888,7 +888,7 @@
           <a:p>
             <a:fld id="{ED34D9CE-9C11-463A-BEC9-8EFCD23B42F2}" type="datetimeFigureOut">
               <a:rPr lang="ko-KR" altLang="en-US" smtClean="0"/>
-              <a:t>2022-01-07</a:t>
+              <a:t>2022-01-12</a:t>
             </a:fld>
             <a:endParaRPr lang="ko-KR" altLang="en-US"/>
           </a:p>
@@ -1163,7 +1163,7 @@
           <a:p>
             <a:fld id="{ED34D9CE-9C11-463A-BEC9-8EFCD23B42F2}" type="datetimeFigureOut">
               <a:rPr lang="ko-KR" altLang="en-US" smtClean="0"/>
-              <a:t>2022-01-07</a:t>
+              <a:t>2022-01-12</a:t>
             </a:fld>
             <a:endParaRPr lang="ko-KR" altLang="en-US"/>
           </a:p>
@@ -1428,7 +1428,7 @@
           <a:p>
             <a:fld id="{ED34D9CE-9C11-463A-BEC9-8EFCD23B42F2}" type="datetimeFigureOut">
               <a:rPr lang="ko-KR" altLang="en-US" smtClean="0"/>
-              <a:t>2022-01-07</a:t>
+              <a:t>2022-01-12</a:t>
             </a:fld>
             <a:endParaRPr lang="ko-KR" altLang="en-US"/>
           </a:p>
@@ -1840,7 +1840,7 @@
           <a:p>
             <a:fld id="{ED34D9CE-9C11-463A-BEC9-8EFCD23B42F2}" type="datetimeFigureOut">
               <a:rPr lang="ko-KR" altLang="en-US" smtClean="0"/>
-              <a:t>2022-01-07</a:t>
+              <a:t>2022-01-12</a:t>
             </a:fld>
             <a:endParaRPr lang="ko-KR" altLang="en-US"/>
           </a:p>
@@ -1981,7 +1981,7 @@
           <a:p>
             <a:fld id="{ED34D9CE-9C11-463A-BEC9-8EFCD23B42F2}" type="datetimeFigureOut">
               <a:rPr lang="ko-KR" altLang="en-US" smtClean="0"/>
-              <a:t>2022-01-07</a:t>
+              <a:t>2022-01-12</a:t>
             </a:fld>
             <a:endParaRPr lang="ko-KR" altLang="en-US"/>
           </a:p>
@@ -2094,7 +2094,7 @@
           <a:p>
             <a:fld id="{ED34D9CE-9C11-463A-BEC9-8EFCD23B42F2}" type="datetimeFigureOut">
               <a:rPr lang="ko-KR" altLang="en-US" smtClean="0"/>
-              <a:t>2022-01-07</a:t>
+              <a:t>2022-01-12</a:t>
             </a:fld>
             <a:endParaRPr lang="ko-KR" altLang="en-US"/>
           </a:p>
@@ -2405,7 +2405,7 @@
           <a:p>
             <a:fld id="{ED34D9CE-9C11-463A-BEC9-8EFCD23B42F2}" type="datetimeFigureOut">
               <a:rPr lang="ko-KR" altLang="en-US" smtClean="0"/>
-              <a:t>2022-01-07</a:t>
+              <a:t>2022-01-12</a:t>
             </a:fld>
             <a:endParaRPr lang="ko-KR" altLang="en-US"/>
           </a:p>
@@ -2693,7 +2693,7 @@
           <a:p>
             <a:fld id="{ED34D9CE-9C11-463A-BEC9-8EFCD23B42F2}" type="datetimeFigureOut">
               <a:rPr lang="ko-KR" altLang="en-US" smtClean="0"/>
-              <a:t>2022-01-07</a:t>
+              <a:t>2022-01-12</a:t>
             </a:fld>
             <a:endParaRPr lang="ko-KR" altLang="en-US"/>
           </a:p>
@@ -2934,7 +2934,7 @@
           <a:p>
             <a:fld id="{ED34D9CE-9C11-463A-BEC9-8EFCD23B42F2}" type="datetimeFigureOut">
               <a:rPr lang="ko-KR" altLang="en-US" smtClean="0"/>
-              <a:t>2022-01-07</a:t>
+              <a:t>2022-01-12</a:t>
             </a:fld>
             <a:endParaRPr lang="ko-KR" altLang="en-US"/>
           </a:p>
@@ -5768,6 +5768,87 @@
           </a:p>
         </p:txBody>
       </p:sp>
+      <p:sp>
+        <p:nvSpPr>
+          <p:cNvPr id="23" name="TextBox 22">
+            <a:extLst>
+              <a:ext uri="{FF2B5EF4-FFF2-40B4-BE49-F238E27FC236}">
+                <a16:creationId xmlns:a16="http://schemas.microsoft.com/office/drawing/2014/main" id="{A769DE94-3FB8-4543-A2AA-DBEEBE2073F5}"/>
+              </a:ext>
+            </a:extLst>
+          </p:cNvPr>
+          <p:cNvSpPr txBox="1"/>
+          <p:nvPr/>
+        </p:nvSpPr>
+        <p:spPr>
+          <a:xfrm>
+            <a:off x="825054" y="5233590"/>
+            <a:ext cx="3335144" cy="1200329"/>
+          </a:xfrm>
+          <a:prstGeom prst="rect">
+            <a:avLst/>
+          </a:prstGeom>
+          <a:solidFill>
+            <a:srgbClr val="FFC000"/>
+          </a:solidFill>
+        </p:spPr>
+        <p:txBody>
+          <a:bodyPr wrap="none" rtlCol="0">
+            <a:spAutoFit/>
+          </a:bodyPr>
+          <a:lstStyle/>
+          <a:p>
+            <a:r>
+              <a:rPr lang="en-US" altLang="ko-KR" dirty="0"/>
+              <a:t>2</a:t>
+            </a:r>
+            <a:r>
+              <a:rPr lang="ko-KR" altLang="en-US" dirty="0"/>
+              <a:t>번 </a:t>
+            </a:r>
+            <a:r>
+              <a:rPr lang="en-US" altLang="ko-KR" dirty="0"/>
+              <a:t>overview</a:t>
+            </a:r>
+          </a:p>
+          <a:p>
+            <a:pPr marL="285750" indent="-285750">
+              <a:buFontTx/>
+              <a:buChar char="-"/>
+            </a:pPr>
+            <a:r>
+              <a:rPr lang="en-US" altLang="ko-KR" dirty="0"/>
+              <a:t>justify-content: row-reverse</a:t>
+            </a:r>
+          </a:p>
+          <a:p>
+            <a:pPr marL="285750" indent="-285750">
+              <a:buFontTx/>
+              <a:buChar char="-"/>
+            </a:pPr>
+            <a:r>
+              <a:rPr lang="ko-KR" altLang="en-US" dirty="0"/>
+              <a:t>반응형을 고려한 마크업</a:t>
+            </a:r>
+            <a:endParaRPr lang="en-US" altLang="ko-KR" dirty="0"/>
+          </a:p>
+          <a:p>
+            <a:pPr marL="285750" indent="-285750">
+              <a:buFontTx/>
+              <a:buChar char="-"/>
+            </a:pPr>
+            <a:r>
+              <a:rPr lang="en-US" altLang="ko-KR" dirty="0"/>
+              <a:t>flex</a:t>
+            </a:r>
+            <a:r>
+              <a:rPr lang="ko-KR" altLang="en-US" dirty="0"/>
+              <a:t>로 방향 조정</a:t>
+            </a:r>
+            <a:endParaRPr lang="en-US" altLang="ko-KR" dirty="0"/>
+          </a:p>
+        </p:txBody>
+      </p:sp>
     </p:spTree>
     <p:extLst>
       <p:ext uri="{BB962C8B-B14F-4D97-AF65-F5344CB8AC3E}">

--- a/[참고] esrp/(노트) esrp.pptx
+++ b/[참고] esrp/(노트) esrp.pptx
@@ -284,7 +284,7 @@
           <a:p>
             <a:fld id="{ED34D9CE-9C11-463A-BEC9-8EFCD23B42F2}" type="datetimeFigureOut">
               <a:rPr lang="ko-KR" altLang="en-US" smtClean="0"/>
-              <a:t>2022-01-12</a:t>
+              <a:t>2022-01-14</a:t>
             </a:fld>
             <a:endParaRPr lang="ko-KR" altLang="en-US"/>
           </a:p>
@@ -482,7 +482,7 @@
           <a:p>
             <a:fld id="{ED34D9CE-9C11-463A-BEC9-8EFCD23B42F2}" type="datetimeFigureOut">
               <a:rPr lang="ko-KR" altLang="en-US" smtClean="0"/>
-              <a:t>2022-01-12</a:t>
+              <a:t>2022-01-14</a:t>
             </a:fld>
             <a:endParaRPr lang="ko-KR" altLang="en-US"/>
           </a:p>
@@ -690,7 +690,7 @@
           <a:p>
             <a:fld id="{ED34D9CE-9C11-463A-BEC9-8EFCD23B42F2}" type="datetimeFigureOut">
               <a:rPr lang="ko-KR" altLang="en-US" smtClean="0"/>
-              <a:t>2022-01-12</a:t>
+              <a:t>2022-01-14</a:t>
             </a:fld>
             <a:endParaRPr lang="ko-KR" altLang="en-US"/>
           </a:p>
@@ -888,7 +888,7 @@
           <a:p>
             <a:fld id="{ED34D9CE-9C11-463A-BEC9-8EFCD23B42F2}" type="datetimeFigureOut">
               <a:rPr lang="ko-KR" altLang="en-US" smtClean="0"/>
-              <a:t>2022-01-12</a:t>
+              <a:t>2022-01-14</a:t>
             </a:fld>
             <a:endParaRPr lang="ko-KR" altLang="en-US"/>
           </a:p>
@@ -1163,7 +1163,7 @@
           <a:p>
             <a:fld id="{ED34D9CE-9C11-463A-BEC9-8EFCD23B42F2}" type="datetimeFigureOut">
               <a:rPr lang="ko-KR" altLang="en-US" smtClean="0"/>
-              <a:t>2022-01-12</a:t>
+              <a:t>2022-01-14</a:t>
             </a:fld>
             <a:endParaRPr lang="ko-KR" altLang="en-US"/>
           </a:p>
@@ -1428,7 +1428,7 @@
           <a:p>
             <a:fld id="{ED34D9CE-9C11-463A-BEC9-8EFCD23B42F2}" type="datetimeFigureOut">
               <a:rPr lang="ko-KR" altLang="en-US" smtClean="0"/>
-              <a:t>2022-01-12</a:t>
+              <a:t>2022-01-14</a:t>
             </a:fld>
             <a:endParaRPr lang="ko-KR" altLang="en-US"/>
           </a:p>
@@ -1840,7 +1840,7 @@
           <a:p>
             <a:fld id="{ED34D9CE-9C11-463A-BEC9-8EFCD23B42F2}" type="datetimeFigureOut">
               <a:rPr lang="ko-KR" altLang="en-US" smtClean="0"/>
-              <a:t>2022-01-12</a:t>
+              <a:t>2022-01-14</a:t>
             </a:fld>
             <a:endParaRPr lang="ko-KR" altLang="en-US"/>
           </a:p>
@@ -1981,7 +1981,7 @@
           <a:p>
             <a:fld id="{ED34D9CE-9C11-463A-BEC9-8EFCD23B42F2}" type="datetimeFigureOut">
               <a:rPr lang="ko-KR" altLang="en-US" smtClean="0"/>
-              <a:t>2022-01-12</a:t>
+              <a:t>2022-01-14</a:t>
             </a:fld>
             <a:endParaRPr lang="ko-KR" altLang="en-US"/>
           </a:p>
@@ -2094,7 +2094,7 @@
           <a:p>
             <a:fld id="{ED34D9CE-9C11-463A-BEC9-8EFCD23B42F2}" type="datetimeFigureOut">
               <a:rPr lang="ko-KR" altLang="en-US" smtClean="0"/>
-              <a:t>2022-01-12</a:t>
+              <a:t>2022-01-14</a:t>
             </a:fld>
             <a:endParaRPr lang="ko-KR" altLang="en-US"/>
           </a:p>
@@ -2405,7 +2405,7 @@
           <a:p>
             <a:fld id="{ED34D9CE-9C11-463A-BEC9-8EFCD23B42F2}" type="datetimeFigureOut">
               <a:rPr lang="ko-KR" altLang="en-US" smtClean="0"/>
-              <a:t>2022-01-12</a:t>
+              <a:t>2022-01-14</a:t>
             </a:fld>
             <a:endParaRPr lang="ko-KR" altLang="en-US"/>
           </a:p>
@@ -2693,7 +2693,7 @@
           <a:p>
             <a:fld id="{ED34D9CE-9C11-463A-BEC9-8EFCD23B42F2}" type="datetimeFigureOut">
               <a:rPr lang="ko-KR" altLang="en-US" smtClean="0"/>
-              <a:t>2022-01-12</a:t>
+              <a:t>2022-01-14</a:t>
             </a:fld>
             <a:endParaRPr lang="ko-KR" altLang="en-US"/>
           </a:p>
@@ -2934,7 +2934,7 @@
           <a:p>
             <a:fld id="{ED34D9CE-9C11-463A-BEC9-8EFCD23B42F2}" type="datetimeFigureOut">
               <a:rPr lang="ko-KR" altLang="en-US" smtClean="0"/>
-              <a:t>2022-01-12</a:t>
+              <a:t>2022-01-14</a:t>
             </a:fld>
             <a:endParaRPr lang="ko-KR" altLang="en-US"/>
           </a:p>
@@ -4703,76 +4703,26 @@
           <a:p>
             <a:pPr algn="r"/>
             <a:r>
-              <a:rPr lang="ko-KR" altLang="en-US" dirty="0"/>
+              <a:rPr lang="ko-KR" altLang="en-US" strike="sngStrike" dirty="0"/>
               <a:t>로고 </a:t>
             </a:r>
             <a:r>
-              <a:rPr lang="en-US" altLang="ko-KR" dirty="0" err="1"/>
+              <a:rPr lang="en-US" altLang="ko-KR" strike="sngStrike" dirty="0" err="1"/>
               <a:t>png</a:t>
             </a:r>
-            <a:endParaRPr lang="en-US" altLang="ko-KR" dirty="0"/>
+            <a:endParaRPr lang="en-US" altLang="ko-KR" strike="sngStrike" dirty="0"/>
           </a:p>
           <a:p>
             <a:pPr algn="r"/>
             <a:r>
-              <a:rPr lang="en-US" altLang="ko-KR" dirty="0"/>
+              <a:rPr lang="en-US" altLang="ko-KR" strike="sngStrike" dirty="0"/>
               <a:t>intro </a:t>
             </a:r>
             <a:r>
-              <a:rPr lang="ko-KR" altLang="en-US" dirty="0"/>
+              <a:rPr lang="ko-KR" altLang="en-US" strike="sngStrike" dirty="0"/>
               <a:t>배경화면</a:t>
             </a:r>
-            <a:endParaRPr lang="en-US" altLang="ko-KR" dirty="0"/>
-          </a:p>
-        </p:txBody>
-      </p:sp>
-      <p:sp>
-        <p:nvSpPr>
-          <p:cNvPr id="43" name="TextBox 42">
-            <a:extLst>
-              <a:ext uri="{FF2B5EF4-FFF2-40B4-BE49-F238E27FC236}">
-                <a16:creationId xmlns:a16="http://schemas.microsoft.com/office/drawing/2014/main" id="{65A0EDBA-D971-4BC7-95EA-4C2390A3AC79}"/>
-              </a:ext>
-            </a:extLst>
-          </p:cNvPr>
-          <p:cNvSpPr txBox="1"/>
-          <p:nvPr/>
-        </p:nvSpPr>
-        <p:spPr>
-          <a:xfrm>
-            <a:off x="2631200" y="3675075"/>
-            <a:ext cx="3019481" cy="369332"/>
-          </a:xfrm>
-          <a:prstGeom prst="rect">
-            <a:avLst/>
-          </a:prstGeom>
-          <a:solidFill>
-            <a:srgbClr val="FFC000"/>
-          </a:solidFill>
-        </p:spPr>
-        <p:txBody>
-          <a:bodyPr wrap="none" rtlCol="0">
-            <a:spAutoFit/>
-          </a:bodyPr>
-          <a:lstStyle/>
-          <a:p>
-            <a:r>
-              <a:rPr lang="en-US" altLang="ko-KR" sz="1800" dirty="0"/>
-              <a:t>&lt;h1&gt; </a:t>
-            </a:r>
-            <a:r>
-              <a:rPr lang="en-US" altLang="ko-KR" sz="1800" dirty="0" err="1"/>
-              <a:t>Typeit</a:t>
-            </a:r>
-            <a:r>
-              <a:rPr lang="en-US" altLang="ko-KR" sz="1800" dirty="0"/>
-              <a:t> </a:t>
-            </a:r>
-            <a:r>
-              <a:rPr lang="ko-KR" altLang="en-US" sz="1800" dirty="0"/>
-              <a:t>플러그인 사용</a:t>
-            </a:r>
-            <a:endParaRPr lang="en-US" altLang="ko-KR" sz="1800" dirty="0"/>
+            <a:endParaRPr lang="en-US" altLang="ko-KR" strike="sngStrike" dirty="0"/>
           </a:p>
         </p:txBody>
       </p:sp>
@@ -5631,7 +5581,7 @@
         <p:spPr>
           <a:xfrm>
             <a:off x="7604003" y="3640863"/>
-            <a:ext cx="3212803" cy="1754326"/>
+            <a:ext cx="3212739" cy="1200329"/>
           </a:xfrm>
           <a:prstGeom prst="rect">
             <a:avLst/>
@@ -5689,24 +5639,6 @@
             </a:r>
             <a:endParaRPr lang="en-US" altLang="ko-KR" dirty="0"/>
           </a:p>
-          <a:p>
-            <a:endParaRPr lang="en-US" altLang="ko-KR" dirty="0"/>
-          </a:p>
-          <a:p>
-            <a:r>
-              <a:rPr lang="en-US" altLang="ko-KR" strike="sngStrike" dirty="0" err="1"/>
-              <a:t>aos</a:t>
-            </a:r>
-            <a:r>
-              <a:rPr lang="en-US" altLang="ko-KR" strike="sngStrike" dirty="0"/>
-              <a:t> </a:t>
-            </a:r>
-            <a:r>
-              <a:rPr lang="ko-KR" altLang="en-US" strike="sngStrike" dirty="0"/>
-              <a:t>플러그인 사용</a:t>
-            </a:r>
-            <a:endParaRPr lang="en-US" altLang="ko-KR" strike="sngStrike" dirty="0"/>
-          </a:p>
         </p:txBody>
       </p:sp>
       <p:sp>
@@ -5741,30 +5673,30 @@
           <a:p>
             <a:pPr algn="r"/>
             <a:r>
-              <a:rPr lang="ko-KR" altLang="en-US" dirty="0" err="1"/>
+              <a:rPr lang="ko-KR" altLang="en-US" strike="sngStrike" dirty="0" err="1"/>
               <a:t>목업</a:t>
             </a:r>
-            <a:endParaRPr lang="en-US" altLang="ko-KR" dirty="0"/>
+            <a:endParaRPr lang="en-US" altLang="ko-KR" strike="sngStrike" dirty="0"/>
           </a:p>
           <a:p>
             <a:pPr algn="r"/>
             <a:r>
-              <a:rPr lang="en-US" altLang="ko-KR" dirty="0"/>
+              <a:rPr lang="en-US" altLang="ko-KR" strike="sngStrike" dirty="0"/>
               <a:t>-</a:t>
             </a:r>
             <a:r>
-              <a:rPr lang="ko-KR" altLang="en-US" dirty="0"/>
+              <a:rPr lang="ko-KR" altLang="en-US" strike="sngStrike" dirty="0"/>
               <a:t> 사이트 </a:t>
             </a:r>
             <a:r>
-              <a:rPr lang="en-US" altLang="ko-KR" dirty="0"/>
+              <a:rPr lang="en-US" altLang="ko-KR" strike="sngStrike" dirty="0"/>
               <a:t>UI </a:t>
             </a:r>
             <a:r>
-              <a:rPr lang="ko-KR" altLang="en-US" dirty="0"/>
+              <a:rPr lang="ko-KR" altLang="en-US" strike="sngStrike" dirty="0"/>
               <a:t>들어간</a:t>
             </a:r>
-            <a:endParaRPr lang="en-US" altLang="ko-KR" dirty="0"/>
+            <a:endParaRPr lang="en-US" altLang="ko-KR" strike="sngStrike" dirty="0"/>
           </a:p>
         </p:txBody>
       </p:sp>
@@ -6237,10 +6169,10 @@
           <a:p>
             <a:pPr algn="r"/>
             <a:r>
-              <a:rPr lang="ko-KR" altLang="en-US"/>
+              <a:rPr lang="ko-KR" altLang="en-US" strike="sngStrike" dirty="0"/>
               <a:t>시연 영상</a:t>
             </a:r>
-            <a:endParaRPr lang="en-US" altLang="ko-KR" dirty="0"/>
+            <a:endParaRPr lang="en-US" altLang="ko-KR" strike="sngStrike" dirty="0"/>
           </a:p>
         </p:txBody>
       </p:sp>
@@ -6964,14 +6896,14 @@
           <a:p>
             <a:pPr algn="r"/>
             <a:r>
-              <a:rPr lang="en-US" altLang="ko-KR" dirty="0"/>
+              <a:rPr lang="en-US" altLang="ko-KR" strike="sngStrike" dirty="0"/>
               <a:t>iOS </a:t>
             </a:r>
             <a:r>
-              <a:rPr lang="ko-KR" altLang="en-US" dirty="0" err="1"/>
+              <a:rPr lang="ko-KR" altLang="en-US" strike="sngStrike" dirty="0" err="1"/>
               <a:t>미모티콘</a:t>
             </a:r>
-            <a:endParaRPr lang="ko-KR" altLang="en-US" dirty="0"/>
+            <a:endParaRPr lang="ko-KR" altLang="en-US" strike="sngStrike" dirty="0"/>
           </a:p>
         </p:txBody>
       </p:sp>

--- a/[참고] esrp/(노트) esrp.pptx
+++ b/[참고] esrp/(노트) esrp.pptx
@@ -284,7 +284,7 @@
           <a:p>
             <a:fld id="{ED34D9CE-9C11-463A-BEC9-8EFCD23B42F2}" type="datetimeFigureOut">
               <a:rPr lang="ko-KR" altLang="en-US" smtClean="0"/>
-              <a:t>2022-01-14</a:t>
+              <a:t>2022-01-16</a:t>
             </a:fld>
             <a:endParaRPr lang="ko-KR" altLang="en-US"/>
           </a:p>
@@ -482,7 +482,7 @@
           <a:p>
             <a:fld id="{ED34D9CE-9C11-463A-BEC9-8EFCD23B42F2}" type="datetimeFigureOut">
               <a:rPr lang="ko-KR" altLang="en-US" smtClean="0"/>
-              <a:t>2022-01-14</a:t>
+              <a:t>2022-01-16</a:t>
             </a:fld>
             <a:endParaRPr lang="ko-KR" altLang="en-US"/>
           </a:p>
@@ -690,7 +690,7 @@
           <a:p>
             <a:fld id="{ED34D9CE-9C11-463A-BEC9-8EFCD23B42F2}" type="datetimeFigureOut">
               <a:rPr lang="ko-KR" altLang="en-US" smtClean="0"/>
-              <a:t>2022-01-14</a:t>
+              <a:t>2022-01-16</a:t>
             </a:fld>
             <a:endParaRPr lang="ko-KR" altLang="en-US"/>
           </a:p>
@@ -888,7 +888,7 @@
           <a:p>
             <a:fld id="{ED34D9CE-9C11-463A-BEC9-8EFCD23B42F2}" type="datetimeFigureOut">
               <a:rPr lang="ko-KR" altLang="en-US" smtClean="0"/>
-              <a:t>2022-01-14</a:t>
+              <a:t>2022-01-16</a:t>
             </a:fld>
             <a:endParaRPr lang="ko-KR" altLang="en-US"/>
           </a:p>
@@ -1163,7 +1163,7 @@
           <a:p>
             <a:fld id="{ED34D9CE-9C11-463A-BEC9-8EFCD23B42F2}" type="datetimeFigureOut">
               <a:rPr lang="ko-KR" altLang="en-US" smtClean="0"/>
-              <a:t>2022-01-14</a:t>
+              <a:t>2022-01-16</a:t>
             </a:fld>
             <a:endParaRPr lang="ko-KR" altLang="en-US"/>
           </a:p>
@@ -1428,7 +1428,7 @@
           <a:p>
             <a:fld id="{ED34D9CE-9C11-463A-BEC9-8EFCD23B42F2}" type="datetimeFigureOut">
               <a:rPr lang="ko-KR" altLang="en-US" smtClean="0"/>
-              <a:t>2022-01-14</a:t>
+              <a:t>2022-01-16</a:t>
             </a:fld>
             <a:endParaRPr lang="ko-KR" altLang="en-US"/>
           </a:p>
@@ -1840,7 +1840,7 @@
           <a:p>
             <a:fld id="{ED34D9CE-9C11-463A-BEC9-8EFCD23B42F2}" type="datetimeFigureOut">
               <a:rPr lang="ko-KR" altLang="en-US" smtClean="0"/>
-              <a:t>2022-01-14</a:t>
+              <a:t>2022-01-16</a:t>
             </a:fld>
             <a:endParaRPr lang="ko-KR" altLang="en-US"/>
           </a:p>
@@ -1981,7 +1981,7 @@
           <a:p>
             <a:fld id="{ED34D9CE-9C11-463A-BEC9-8EFCD23B42F2}" type="datetimeFigureOut">
               <a:rPr lang="ko-KR" altLang="en-US" smtClean="0"/>
-              <a:t>2022-01-14</a:t>
+              <a:t>2022-01-16</a:t>
             </a:fld>
             <a:endParaRPr lang="ko-KR" altLang="en-US"/>
           </a:p>
@@ -2094,7 +2094,7 @@
           <a:p>
             <a:fld id="{ED34D9CE-9C11-463A-BEC9-8EFCD23B42F2}" type="datetimeFigureOut">
               <a:rPr lang="ko-KR" altLang="en-US" smtClean="0"/>
-              <a:t>2022-01-14</a:t>
+              <a:t>2022-01-16</a:t>
             </a:fld>
             <a:endParaRPr lang="ko-KR" altLang="en-US"/>
           </a:p>
@@ -2405,7 +2405,7 @@
           <a:p>
             <a:fld id="{ED34D9CE-9C11-463A-BEC9-8EFCD23B42F2}" type="datetimeFigureOut">
               <a:rPr lang="ko-KR" altLang="en-US" smtClean="0"/>
-              <a:t>2022-01-14</a:t>
+              <a:t>2022-01-16</a:t>
             </a:fld>
             <a:endParaRPr lang="ko-KR" altLang="en-US"/>
           </a:p>
@@ -2693,7 +2693,7 @@
           <a:p>
             <a:fld id="{ED34D9CE-9C11-463A-BEC9-8EFCD23B42F2}" type="datetimeFigureOut">
               <a:rPr lang="ko-KR" altLang="en-US" smtClean="0"/>
-              <a:t>2022-01-14</a:t>
+              <a:t>2022-01-16</a:t>
             </a:fld>
             <a:endParaRPr lang="ko-KR" altLang="en-US"/>
           </a:p>
@@ -2934,7 +2934,7 @@
           <a:p>
             <a:fld id="{ED34D9CE-9C11-463A-BEC9-8EFCD23B42F2}" type="datetimeFigureOut">
               <a:rPr lang="ko-KR" altLang="en-US" smtClean="0"/>
-              <a:t>2022-01-14</a:t>
+              <a:t>2022-01-16</a:t>
             </a:fld>
             <a:endParaRPr lang="ko-KR" altLang="en-US"/>
           </a:p>
@@ -3366,7 +3366,7 @@
         <p:spPr>
           <a:xfrm>
             <a:off x="669110" y="475804"/>
-            <a:ext cx="5935471" cy="5909310"/>
+            <a:ext cx="5575565" cy="2031325"/>
           </a:xfrm>
           <a:prstGeom prst="rect">
             <a:avLst/>
@@ -3381,26 +3381,17 @@
           <a:p>
             <a:r>
               <a:rPr lang="en-US" altLang="ko-KR" dirty="0"/>
-              <a:t>Top </a:t>
-            </a:r>
-            <a:r>
-              <a:rPr lang="ko-KR" altLang="en-US" dirty="0"/>
-              <a:t>버튼 할거야</a:t>
-            </a:r>
-            <a:r>
-              <a:rPr lang="en-US" altLang="ko-KR" dirty="0"/>
-              <a:t>?</a:t>
-            </a:r>
-          </a:p>
-          <a:p>
-            <a:endParaRPr lang="en-US" altLang="ko-KR" dirty="0"/>
-          </a:p>
-          <a:p>
+              <a:t>&lt;</a:t>
+            </a:r>
             <a:r>
               <a:rPr lang="en-US" altLang="ko-KR" dirty="0" err="1"/>
               <a:t>i</a:t>
             </a:r>
             <a:r>
+              <a:rPr lang="en-US" altLang="ko-KR" dirty="0"/>
+              <a:t>&gt; </a:t>
+            </a:r>
+            <a:r>
               <a:rPr lang="ko-KR" altLang="en-US" dirty="0"/>
               <a:t>태그에 </a:t>
             </a:r>
@@ -3410,11 +3401,14 @@
             </a:r>
             <a:r>
               <a:rPr lang="ko-KR" altLang="en-US" dirty="0"/>
-              <a:t>속성이 안될 때 </a:t>
-            </a:r>
+              <a:t>속성이 안될 때</a:t>
+            </a:r>
+            <a:endParaRPr lang="en-US" altLang="ko-KR" dirty="0"/>
+          </a:p>
+          <a:p>
             <a:r>
               <a:rPr lang="en-US" altLang="ko-KR" dirty="0"/>
-              <a:t>&gt; important </a:t>
+              <a:t>!important </a:t>
             </a:r>
             <a:r>
               <a:rPr lang="ko-KR" altLang="en-US" dirty="0"/>
@@ -3428,76 +3422,6 @@
           <a:p>
             <a:r>
               <a:rPr lang="ko-KR" altLang="en-US" dirty="0"/>
-              <a:t>모바일 </a:t>
-            </a:r>
-            <a:r>
-              <a:rPr lang="en-US" altLang="ko-KR" dirty="0"/>
-              <a:t>overflow: hidden </a:t>
-            </a:r>
-            <a:r>
-              <a:rPr lang="ko-KR" altLang="en-US" dirty="0"/>
-              <a:t>속성이 안될 때</a:t>
-            </a:r>
-            <a:endParaRPr lang="en-US" altLang="ko-KR" dirty="0"/>
-          </a:p>
-          <a:p>
-            <a:r>
-              <a:rPr lang="en-US" altLang="ko-KR" dirty="0"/>
-              <a:t>html, body {</a:t>
-            </a:r>
-          </a:p>
-          <a:p>
-            <a:r>
-              <a:rPr lang="en-US" altLang="ko-KR" dirty="0"/>
-              <a:t>    /* touch-action: none; */</a:t>
-            </a:r>
-          </a:p>
-          <a:p>
-            <a:r>
-              <a:rPr lang="en-US" altLang="ko-KR" dirty="0"/>
-              <a:t>    -</a:t>
-            </a:r>
-            <a:r>
-              <a:rPr lang="en-US" altLang="ko-KR" dirty="0" err="1"/>
-              <a:t>webkit</a:t>
-            </a:r>
-            <a:r>
-              <a:rPr lang="en-US" altLang="ko-KR" dirty="0"/>
-              <a:t>-overflow-scrolling: none;</a:t>
-            </a:r>
-          </a:p>
-          <a:p>
-            <a:r>
-              <a:rPr lang="en-US" altLang="ko-KR" dirty="0"/>
-              <a:t>    overflow-x: hidden;</a:t>
-            </a:r>
-          </a:p>
-          <a:p>
-            <a:r>
-              <a:rPr lang="en-US" altLang="ko-KR" dirty="0"/>
-              <a:t>    </a:t>
-            </a:r>
-            <a:r>
-              <a:rPr lang="en-US" altLang="ko-KR" dirty="0" err="1"/>
-              <a:t>overscroll</a:t>
-            </a:r>
-            <a:r>
-              <a:rPr lang="en-US" altLang="ko-KR" dirty="0"/>
-              <a:t>-behavior: none;</a:t>
-            </a:r>
-          </a:p>
-          <a:p>
-            <a:r>
-              <a:rPr lang="en-US" altLang="ko-KR" dirty="0"/>
-              <a:t>}</a:t>
-            </a:r>
-          </a:p>
-          <a:p>
-            <a:endParaRPr lang="en-US" altLang="ko-KR" dirty="0"/>
-          </a:p>
-          <a:p>
-            <a:r>
-              <a:rPr lang="ko-KR" altLang="en-US" dirty="0"/>
               <a:t>모바일에서는 </a:t>
             </a:r>
             <a:r>
@@ -3567,62 +3491,6 @@
             </a:r>
             <a:endParaRPr lang="en-US" altLang="ko-KR" dirty="0"/>
           </a:p>
-          <a:p>
-            <a:endParaRPr lang="en-US" altLang="ko-KR" dirty="0"/>
-          </a:p>
-          <a:p>
-            <a:r>
-              <a:rPr lang="en-US" altLang="ko-KR" dirty="0"/>
-              <a:t>&lt;a&gt;</a:t>
-            </a:r>
-            <a:r>
-              <a:rPr lang="ko-KR" altLang="en-US" dirty="0"/>
-              <a:t>앵커태그 클릭 시</a:t>
-            </a:r>
-            <a:r>
-              <a:rPr lang="en-US" altLang="ko-KR" dirty="0"/>
-              <a:t>, </a:t>
-            </a:r>
-            <a:r>
-              <a:rPr lang="ko-KR" altLang="en-US" dirty="0"/>
-              <a:t>스크롤 </a:t>
-            </a:r>
-            <a:r>
-              <a:rPr lang="en-US" altLang="ko-KR" dirty="0"/>
-              <a:t>‘</a:t>
-            </a:r>
-            <a:r>
-              <a:rPr lang="ko-KR" altLang="en-US" dirty="0"/>
-              <a:t>부드럽게</a:t>
-            </a:r>
-            <a:r>
-              <a:rPr lang="en-US" altLang="ko-KR" dirty="0"/>
-              <a:t>’ </a:t>
-            </a:r>
-            <a:r>
-              <a:rPr lang="ko-KR" altLang="en-US" dirty="0"/>
-              <a:t>이동</a:t>
-            </a:r>
-            <a:endParaRPr lang="en-US" altLang="ko-KR" dirty="0"/>
-          </a:p>
-          <a:p>
-            <a:r>
-              <a:rPr lang="en-US" altLang="ko-KR" dirty="0"/>
-              <a:t>html {</a:t>
-            </a:r>
-          </a:p>
-          <a:p>
-            <a:r>
-              <a:rPr lang="en-US" altLang="ko-KR" dirty="0"/>
-              <a:t>  scroll-behavior: smooth</a:t>
-            </a:r>
-          </a:p>
-          <a:p>
-            <a:r>
-              <a:rPr lang="en-US" altLang="ko-KR" dirty="0"/>
-              <a:t>}</a:t>
-            </a:r>
-          </a:p>
         </p:txBody>
       </p:sp>
       <p:sp>
@@ -3639,7 +3507,7 @@
         </p:nvSpPr>
         <p:spPr>
           <a:xfrm>
-            <a:off x="8347046" y="536895"/>
+            <a:off x="6954413" y="536895"/>
             <a:ext cx="3538148" cy="1754326"/>
           </a:xfrm>
           <a:prstGeom prst="rect">
@@ -3741,7 +3609,7 @@
         </p:nvSpPr>
         <p:spPr>
           <a:xfrm>
-            <a:off x="6737123" y="4659112"/>
+            <a:off x="6954413" y="3576932"/>
             <a:ext cx="4435830" cy="1200329"/>
           </a:xfrm>
           <a:prstGeom prst="rect">
@@ -4605,8 +4473,8 @@
         </p:nvSpPr>
         <p:spPr>
           <a:xfrm>
-            <a:off x="1662945" y="646331"/>
-            <a:ext cx="4104009" cy="923330"/>
+            <a:off x="1533800" y="437480"/>
+            <a:ext cx="4104009" cy="1200329"/>
           </a:xfrm>
           <a:prstGeom prst="rect">
             <a:avLst/>
@@ -4667,7 +4535,16 @@
               <a:rPr lang="en-US" altLang="ko-KR" sz="1800" dirty="0"/>
               <a:t>)</a:t>
             </a:r>
-            <a:endParaRPr lang="en-US" altLang="ko-KR" dirty="0"/>
+          </a:p>
+          <a:p>
+            <a:pPr marL="285750" indent="-285750">
+              <a:buFontTx/>
+              <a:buChar char="-"/>
+            </a:pPr>
+            <a:r>
+              <a:rPr lang="en-US" altLang="ko-KR" dirty="0"/>
+              <a:t>html { scroll-behavior: smooth }</a:t>
+            </a:r>
           </a:p>
         </p:txBody>
       </p:sp>
